--- a/TDI_Project_Pitch_Dillavou.pptx
+++ b/TDI_Project_Pitch_Dillavou.pptx
@@ -13,6 +13,7 @@
     <p:sldId id="258" r:id="rId10"/>
     <p:sldId id="259" r:id="rId11"/>
     <p:sldId id="260" r:id="rId12"/>
+    <p:sldId id="261" r:id="rId13"/>
   </p:sldIdLst>
   <p:sldSz cx="24384000" cy="13716000"/>
   <p:notesSz cx="6858000" cy="9144000"/>
@@ -3278,7 +3279,7 @@
       </p:sp>
       <p:sp>
         <p:nvSpPr>
-          <p:cNvPr id="127" name="Many, Many Factors in Housing Prices"/>
+          <p:cNvPr id="127" name="No Available Quantitative Local Growth Forecasts"/>
           <p:cNvSpPr txBox="1"/>
           <p:nvPr>
             <p:ph type="title"/>
@@ -3292,14 +3293,14 @@
         <p:txBody>
           <a:bodyPr/>
           <a:lstStyle>
-            <a:lvl1pPr defTabSz="685165">
-              <a:defRPr sz="9296"/>
+            <a:lvl1pPr defTabSz="528319">
+              <a:defRPr sz="7168"/>
             </a:lvl1pPr>
           </a:lstStyle>
           <a:p>
             <a:pPr/>
             <a:r>
-              <a:t>Many, Many Factors in Housing Prices</a:t>
+              <a:t>No Available Quantitative Local Growth Forecasts</a:t>
             </a:r>
           </a:p>
         </p:txBody>
@@ -13597,7 +13598,7 @@
       </p:grpSpPr>
       <p:sp>
         <p:nvSpPr>
-          <p:cNvPr id="182" name="Next Steps"/>
+          <p:cNvPr id="182" name="8 Week Plan"/>
           <p:cNvSpPr txBox="1"/>
           <p:nvPr>
             <p:ph type="title"/>
@@ -13614,7 +13615,7 @@
           <a:p>
             <a:pPr/>
             <a:r>
-              <a:t>Next Steps</a:t>
+              <a:t>8 Week Plan</a:t>
             </a:r>
           </a:p>
         </p:txBody>
@@ -13628,7 +13629,7 @@
         <p:grpSpPr>
           <a:xfrm>
             <a:off x="17811568" y="3540170"/>
-            <a:ext cx="5929976" cy="8951761"/>
+            <a:ext cx="5929977" cy="8951761"/>
             <a:chOff x="0" y="0"/>
             <a:chExt cx="5929975" cy="8951759"/>
           </a:xfrm>
@@ -13681,7 +13682,7 @@
           </p:nvSpPr>
           <p:spPr>
             <a:xfrm>
-              <a:off x="1380957" y="1135614"/>
+              <a:off x="1380957" y="1630465"/>
               <a:ext cx="3168061" cy="2918949"/>
             </a:xfrm>
             <a:custGeom>
@@ -14963,8 +14964,8 @@
           </p:nvSpPr>
           <p:spPr>
             <a:xfrm>
-              <a:off x="318163" y="5768279"/>
-              <a:ext cx="5293650" cy="2002509"/>
+              <a:off x="318163" y="6337436"/>
+              <a:ext cx="5293650" cy="2032001"/>
             </a:xfrm>
             <a:prstGeom prst="rect">
               <a:avLst/>
@@ -15012,7 +15013,7 @@
         </p:nvGrpSpPr>
         <p:grpSpPr>
           <a:xfrm>
-            <a:off x="10690520" y="3538462"/>
+            <a:off x="10690521" y="3538462"/>
             <a:ext cx="6284121" cy="8951761"/>
             <a:chOff x="0" y="0"/>
             <a:chExt cx="6284119" cy="8951759"/>
@@ -15076,7 +15077,7 @@
           </p:blipFill>
           <p:spPr>
             <a:xfrm>
-              <a:off x="961742" y="441956"/>
+              <a:off x="961742" y="911330"/>
               <a:ext cx="4360636" cy="4360636"/>
             </a:xfrm>
             <a:prstGeom prst="rect">
@@ -15091,14 +15092,14 @@
         </p:pic>
         <p:sp>
           <p:nvSpPr>
-            <p:cNvPr id="189" name="Increase model capability by using neural network.…"/>
+            <p:cNvPr id="189" name="Increase model…"/>
             <p:cNvSpPr txBox="1"/>
             <p:nvPr/>
           </p:nvSpPr>
           <p:spPr>
             <a:xfrm>
-              <a:off x="205975" y="5284511"/>
-              <a:ext cx="5872170" cy="3127019"/>
+              <a:off x="205975" y="6339144"/>
+              <a:ext cx="5872170" cy="2032001"/>
             </a:xfrm>
             <a:prstGeom prst="rect">
               <a:avLst/>
@@ -15130,7 +15131,7 @@
                 </a:defRPr>
               </a:pPr>
               <a:r>
-                <a:t>Increase model capability by using neural network. </a:t>
+                <a:t>Increase model </a:t>
               </a:r>
             </a:p>
             <a:p>
@@ -15142,6 +15143,9 @@
                   <a:sym typeface="Helvetica Neue Medium"/>
                 </a:defRPr>
               </a:pPr>
+              <a:r>
+                <a:t>capability by using a </a:t>
+              </a:r>
             </a:p>
             <a:p>
               <a:pPr>
@@ -15153,7 +15157,7 @@
                 </a:defRPr>
               </a:pPr>
               <a:r>
-                <a:t>Separate training and test data in time.</a:t>
+                <a:t>shallow neural network. </a:t>
               </a:r>
             </a:p>
           </p:txBody>
@@ -15213,93 +15217,16 @@
             </a:p>
           </p:txBody>
         </p:sp>
-        <p:grpSp>
-          <p:nvGrpSpPr>
-            <p:cNvPr id="194" name="Group"/>
-            <p:cNvGrpSpPr/>
-            <p:nvPr/>
-          </p:nvGrpSpPr>
-          <p:grpSpPr>
-            <a:xfrm>
-              <a:off x="618282" y="969247"/>
-              <a:ext cx="7974574" cy="3345134"/>
-              <a:chOff x="0" y="0"/>
-              <a:chExt cx="7974572" cy="3345132"/>
-            </a:xfrm>
-          </p:grpSpPr>
-          <p:pic>
-            <p:nvPicPr>
-              <p:cNvPr id="192" name="BLSLogo.jpg" descr="BLSLogo.jpg"/>
-              <p:cNvPicPr>
-                <a:picLocks noChangeAspect="1"/>
-              </p:cNvPicPr>
-              <p:nvPr/>
-            </p:nvPicPr>
-            <p:blipFill>
-              <a:blip r:embed="rId3">
-                <a:extLst/>
-              </a:blip>
-              <a:stretch>
-                <a:fillRect/>
-              </a:stretch>
-            </p:blipFill>
-            <p:spPr>
-              <a:xfrm>
-                <a:off x="0" y="547851"/>
-                <a:ext cx="3771594" cy="2021575"/>
-              </a:xfrm>
-              <a:prstGeom prst="rect">
-                <a:avLst/>
-              </a:prstGeom>
-              <a:ln w="12700" cap="flat">
-                <a:noFill/>
-                <a:miter lim="400000"/>
-              </a:ln>
-              <a:effectLst/>
-            </p:spPr>
-          </p:pic>
-          <p:pic>
-            <p:nvPicPr>
-              <p:cNvPr id="193" name="Seal_of_the_United_States_Department_of_Justice.svg.png" descr="Seal_of_the_United_States_Department_of_Justice.svg.png"/>
-              <p:cNvPicPr>
-                <a:picLocks noChangeAspect="1"/>
-              </p:cNvPicPr>
-              <p:nvPr/>
-            </p:nvPicPr>
-            <p:blipFill>
-              <a:blip r:embed="rId4">
-                <a:extLst/>
-              </a:blip>
-              <a:stretch>
-                <a:fillRect/>
-              </a:stretch>
-            </p:blipFill>
-            <p:spPr>
-              <a:xfrm>
-                <a:off x="4629439" y="0"/>
-                <a:ext cx="3345134" cy="3345133"/>
-              </a:xfrm>
-              <a:prstGeom prst="rect">
-                <a:avLst/>
-              </a:prstGeom>
-              <a:ln w="12700" cap="flat">
-                <a:noFill/>
-                <a:miter lim="400000"/>
-              </a:ln>
-              <a:effectLst/>
-            </p:spPr>
-          </p:pic>
-        </p:grpSp>
         <p:sp>
           <p:nvSpPr>
-            <p:cNvPr id="195" name="Add unemployment (BLS) and crime (DoJ) data. Both publicly available by county for decades."/>
+            <p:cNvPr id="192" name="Add unemployment (BLS) and crime (DoJ) data. Both publicly available by county for decades."/>
             <p:cNvSpPr txBox="1"/>
             <p:nvPr/>
           </p:nvSpPr>
           <p:spPr>
             <a:xfrm>
-              <a:off x="1060772" y="4842051"/>
-              <a:ext cx="7089594" cy="1782072"/>
+              <a:off x="1060772" y="6339144"/>
+              <a:ext cx="7089594" cy="2032001"/>
             </a:xfrm>
             <a:prstGeom prst="rect">
               <a:avLst/>
@@ -15338,6 +15265,83 @@
             </a:p>
           </p:txBody>
         </p:sp>
+        <p:grpSp>
+          <p:nvGrpSpPr>
+            <p:cNvPr id="195" name="Group"/>
+            <p:cNvGrpSpPr/>
+            <p:nvPr/>
+          </p:nvGrpSpPr>
+          <p:grpSpPr>
+            <a:xfrm>
+              <a:off x="770336" y="705602"/>
+              <a:ext cx="7670465" cy="3345133"/>
+              <a:chOff x="0" y="0"/>
+              <a:chExt cx="7670464" cy="3345132"/>
+            </a:xfrm>
+          </p:grpSpPr>
+          <p:pic>
+            <p:nvPicPr>
+              <p:cNvPr id="193" name="BLSLogo.jpg" descr="BLSLogo.jpg"/>
+              <p:cNvPicPr>
+                <a:picLocks noChangeAspect="1"/>
+              </p:cNvPicPr>
+              <p:nvPr/>
+            </p:nvPicPr>
+            <p:blipFill>
+              <a:blip r:embed="rId3">
+                <a:extLst/>
+              </a:blip>
+              <a:stretch>
+                <a:fillRect/>
+              </a:stretch>
+            </p:blipFill>
+            <p:spPr>
+              <a:xfrm>
+                <a:off x="0" y="547851"/>
+                <a:ext cx="3771594" cy="2021575"/>
+              </a:xfrm>
+              <a:prstGeom prst="rect">
+                <a:avLst/>
+              </a:prstGeom>
+              <a:ln w="12700" cap="flat">
+                <a:noFill/>
+                <a:miter lim="400000"/>
+              </a:ln>
+              <a:effectLst/>
+            </p:spPr>
+          </p:pic>
+          <p:pic>
+            <p:nvPicPr>
+              <p:cNvPr id="194" name="Seal_of_the_United_States_Department_of_Justice.svg.png" descr="Seal_of_the_United_States_Department_of_Justice.svg.png"/>
+              <p:cNvPicPr>
+                <a:picLocks noChangeAspect="1"/>
+              </p:cNvPicPr>
+              <p:nvPr/>
+            </p:nvPicPr>
+            <p:blipFill>
+              <a:blip r:embed="rId4">
+                <a:extLst/>
+              </a:blip>
+              <a:stretch>
+                <a:fillRect/>
+              </a:stretch>
+            </p:blipFill>
+            <p:spPr>
+              <a:xfrm>
+                <a:off x="4325331" y="0"/>
+                <a:ext cx="3345134" cy="3345133"/>
+              </a:xfrm>
+              <a:prstGeom prst="rect">
+                <a:avLst/>
+              </a:prstGeom>
+              <a:ln w="12700" cap="flat">
+                <a:noFill/>
+                <a:miter lim="400000"/>
+              </a:ln>
+              <a:effectLst/>
+            </p:spPr>
+          </p:pic>
+        </p:grpSp>
         <p:sp>
           <p:nvSpPr>
             <p:cNvPr id="196" name="https://www.bls.gov/lau/…"/>
@@ -15346,7 +15350,7 @@
           </p:nvSpPr>
           <p:spPr>
             <a:xfrm>
-              <a:off x="532443" y="7151794"/>
+              <a:off x="532443" y="4189602"/>
               <a:ext cx="8146251" cy="1288092"/>
             </a:xfrm>
             <a:prstGeom prst="rect">
@@ -15432,6 +15436,226 @@
           <a:p>
             <a:pPr/>
             <a:fld id="{86CB4B4D-7CA3-9044-876B-883B54F8677D}" type="slidenum"/>
+          </a:p>
+        </p:txBody>
+      </p:sp>
+    </p:spTree>
+  </p:cSld>
+  <p:clrMapOvr>
+    <a:masterClrMapping/>
+  </p:clrMapOvr>
+  <p:transition xmlns:p14="http://schemas.microsoft.com/office/powerpoint/2010/main" spd="med" advClick="1"/>
+</p:sld>
+</file>
+
+<file path=ppt/slides/slide6.xml><?xml version="1.0" encoding="utf-8"?>
+<p:sld xmlns:a="http://schemas.openxmlformats.org/drawingml/2006/main" xmlns:r="http://schemas.openxmlformats.org/officeDocument/2006/relationships" xmlns:p="http://schemas.openxmlformats.org/presentationml/2006/main" xmlns:m="http://schemas.openxmlformats.org/officeDocument/2006/math" xmlns:a14="http://schemas.microsoft.com/office/drawing/2010/main" showMasterSp="1" showMasterPhAnim="1">
+  <p:cSld>
+    <p:spTree>
+      <p:nvGrpSpPr>
+        <p:cNvPr id="1" name=""/>
+        <p:cNvGrpSpPr/>
+        <p:nvPr/>
+      </p:nvGrpSpPr>
+      <p:grpSpPr>
+        <a:xfrm>
+          <a:off x="0" y="0"/>
+          <a:ext cx="0" cy="0"/>
+          <a:chOff x="0" y="0"/>
+          <a:chExt cx="0" cy="0"/>
+        </a:xfrm>
+      </p:grpSpPr>
+      <p:sp>
+        <p:nvSpPr>
+          <p:cNvPr id="200" name="Thank You!"/>
+          <p:cNvSpPr txBox="1"/>
+          <p:nvPr>
+            <p:ph type="title"/>
+          </p:nvPr>
+        </p:nvSpPr>
+        <p:spPr>
+          <a:xfrm>
+            <a:off x="1689100" y="5715000"/>
+            <a:ext cx="21005800" cy="2286001"/>
+          </a:xfrm>
+          <a:prstGeom prst="rect">
+            <a:avLst/>
+          </a:prstGeom>
+        </p:spPr>
+        <p:txBody>
+          <a:bodyPr/>
+          <a:lstStyle/>
+          <a:p>
+            <a:pPr/>
+            <a:r>
+              <a:t>Thank You!</a:t>
+            </a:r>
+          </a:p>
+        </p:txBody>
+      </p:sp>
+      <p:sp>
+        <p:nvSpPr>
+          <p:cNvPr id="201" name="Slide Number"/>
+          <p:cNvSpPr txBox="1"/>
+          <p:nvPr>
+            <p:ph type="sldNum" sz="quarter" idx="2"/>
+          </p:nvPr>
+        </p:nvSpPr>
+        <p:spPr>
+          <a:xfrm>
+            <a:off x="238813" y="170197"/>
+            <a:ext cx="283770" cy="461059"/>
+          </a:xfrm>
+          <a:prstGeom prst="rect">
+            <a:avLst/>
+          </a:prstGeom>
+          <a:extLst>
+            <a:ext uri="{C572A759-6A51-4108-AA02-DFA0A04FC94B}">
+              <ma14:wrappingTextBoxFlag xmlns:ma14="http://schemas.microsoft.com/office/mac/drawingml/2011/main" val="1"/>
+            </a:ext>
+          </a:extLst>
+        </p:spPr>
+        <p:txBody>
+          <a:bodyPr/>
+          <a:lstStyle/>
+          <a:p>
+            <a:pPr/>
+            <a:fld id="{86CB4B4D-7CA3-9044-876B-883B54F8677D}" type="slidenum"/>
+          </a:p>
+        </p:txBody>
+      </p:sp>
+      <p:sp>
+        <p:nvSpPr>
+          <p:cNvPr id="202" name="Sam Dillavou"/>
+          <p:cNvSpPr txBox="1"/>
+          <p:nvPr>
+            <p:ph type="body" sz="quarter" idx="1"/>
+          </p:nvPr>
+        </p:nvSpPr>
+        <p:spPr>
+          <a:xfrm>
+            <a:off x="1778000" y="12381290"/>
+            <a:ext cx="20828000" cy="1587501"/>
+          </a:xfrm>
+          <a:prstGeom prst="rect">
+            <a:avLst/>
+          </a:prstGeom>
+        </p:spPr>
+        <p:txBody>
+          <a:bodyPr anchor="t"/>
+          <a:lstStyle>
+            <a:lvl1pPr marL="0" indent="0" algn="ctr">
+              <a:spcBef>
+                <a:spcPts val="0"/>
+              </a:spcBef>
+              <a:buSzTx/>
+              <a:buNone/>
+              <a:defRPr i="1" sz="5000"/>
+            </a:lvl1pPr>
+          </a:lstStyle>
+          <a:p>
+            <a:pPr/>
+            <a:r>
+              <a:t>Sam Dillavou</a:t>
+            </a:r>
+          </a:p>
+        </p:txBody>
+      </p:sp>
+      <p:sp>
+        <p:nvSpPr>
+          <p:cNvPr id="203" name="Where should I buy a house?"/>
+          <p:cNvSpPr txBox="1"/>
+          <p:nvPr/>
+        </p:nvSpPr>
+        <p:spPr>
+          <a:xfrm>
+            <a:off x="1777999" y="1425262"/>
+            <a:ext cx="20828001" cy="1003301"/>
+          </a:xfrm>
+          <a:prstGeom prst="rect">
+            <a:avLst/>
+          </a:prstGeom>
+          <a:ln w="12700">
+            <a:miter lim="400000"/>
+          </a:ln>
+          <a:extLst>
+            <a:ext uri="{C572A759-6A51-4108-AA02-DFA0A04FC94B}">
+              <ma14:wrappingTextBoxFlag xmlns:ma14="http://schemas.microsoft.com/office/mac/drawingml/2011/main" val="1"/>
+            </a:ext>
+          </a:extLst>
+        </p:spPr>
+        <p:txBody>
+          <a:bodyPr lIns="50800" tIns="50800" rIns="50800" bIns="50800" anchor="b">
+            <a:normAutofit fontScale="100000" lnSpcReduction="0"/>
+          </a:bodyPr>
+          <a:lstStyle>
+            <a:lvl1pPr defTabSz="693419">
+              <a:defRPr b="0" i="1" sz="5880">
+                <a:solidFill>
+                  <a:schemeClr val="accent1">
+                    <a:lumOff val="13529"/>
+                  </a:schemeClr>
+                </a:solidFill>
+              </a:defRPr>
+            </a:lvl1pPr>
+          </a:lstStyle>
+          <a:p>
+            <a:pPr/>
+            <a:r>
+              <a:t>Where should I buy a house?</a:t>
+            </a:r>
+          </a:p>
+        </p:txBody>
+      </p:sp>
+      <p:sp>
+        <p:nvSpPr>
+          <p:cNvPr id="204" name="The Data Incubator Project Pitch"/>
+          <p:cNvSpPr txBox="1"/>
+          <p:nvPr/>
+        </p:nvSpPr>
+        <p:spPr>
+          <a:xfrm>
+            <a:off x="1778000" y="333763"/>
+            <a:ext cx="20828000" cy="1000947"/>
+          </a:xfrm>
+          <a:prstGeom prst="rect">
+            <a:avLst/>
+          </a:prstGeom>
+          <a:ln w="12700">
+            <a:miter lim="400000"/>
+          </a:ln>
+          <a:extLst>
+            <a:ext uri="{C572A759-6A51-4108-AA02-DFA0A04FC94B}">
+              <ma14:wrappingTextBoxFlag xmlns:ma14="http://schemas.microsoft.com/office/mac/drawingml/2011/main" val="1"/>
+            </a:ext>
+          </a:extLst>
+        </p:spPr>
+        <p:txBody>
+          <a:bodyPr lIns="50800" tIns="50800" rIns="50800" bIns="50800" anchor="b">
+            <a:normAutofit fontScale="100000" lnSpcReduction="0"/>
+          </a:bodyPr>
+          <a:lstStyle/>
+          <a:p>
+            <a:pPr>
+              <a:defRPr b="0" sz="5000">
+                <a:latin typeface="+mn-lt"/>
+                <a:ea typeface="+mn-ea"/>
+                <a:cs typeface="+mn-cs"/>
+                <a:sym typeface="Helvetica Neue Medium"/>
+              </a:defRPr>
+            </a:pPr>
+            <a:r>
+              <a:rPr i="1">
+                <a:latin typeface="Helvetica Neue"/>
+                <a:ea typeface="Helvetica Neue"/>
+                <a:cs typeface="Helvetica Neue"/>
+                <a:sym typeface="Helvetica Neue"/>
+              </a:rPr>
+              <a:t>The Data Incubator </a:t>
+            </a:r>
+            <a:r>
+              <a:t>Project Pitch</a:t>
+            </a:r>
           </a:p>
         </p:txBody>
       </p:sp>
